--- a/ClassMaterials/Sorting/Slides/Part3-BinarySearch.pptx
+++ b/ClassMaterials/Sorting/Slides/Part3-BinarySearch.pptx
@@ -164,6 +164,66 @@
 </p:presentation>
 </file>
 
+<file path=ppt/changesInfos/changesInfo1.xml><?xml version="1.0" encoding="utf-8"?>
+<pc:chgInfo xmlns:a="http://schemas.openxmlformats.org/drawingml/2006/main" xmlns:r="http://schemas.openxmlformats.org/officeDocument/2006/relationships" xmlns:ac="http://schemas.microsoft.com/office/drawing/2013/main/command" xmlns:pc="http://schemas.microsoft.com/office/powerpoint/2013/main/command">
+  <pc:docChgLst>
+    <pc:chgData name="Yoder, Jason" userId="28f4d4d8-da04-4f86-b14d-a21675737bc5" providerId="ADAL" clId="{9BC0A12B-A90F-4727-B654-2C4D393F4FC9}"/>
+    <pc:docChg chg="custSel modSld">
+      <pc:chgData name="Yoder, Jason" userId="28f4d4d8-da04-4f86-b14d-a21675737bc5" providerId="ADAL" clId="{9BC0A12B-A90F-4727-B654-2C4D393F4FC9}" dt="2023-11-02T13:31:57.768" v="139" actId="20577"/>
+      <pc:docMkLst>
+        <pc:docMk/>
+      </pc:docMkLst>
+      <pc:sldChg chg="modSp modNotesTx">
+        <pc:chgData name="Yoder, Jason" userId="28f4d4d8-da04-4f86-b14d-a21675737bc5" providerId="ADAL" clId="{9BC0A12B-A90F-4727-B654-2C4D393F4FC9}" dt="2023-11-02T13:31:57.768" v="139" actId="20577"/>
+        <pc:sldMkLst>
+          <pc:docMk/>
+          <pc:sldMk cId="4286849859" sldId="282"/>
+        </pc:sldMkLst>
+        <pc:spChg chg="mod">
+          <ac:chgData name="Yoder, Jason" userId="28f4d4d8-da04-4f86-b14d-a21675737bc5" providerId="ADAL" clId="{9BC0A12B-A90F-4727-B654-2C4D393F4FC9}" dt="2023-11-02T12:50:33.384" v="8" actId="20577"/>
+          <ac:spMkLst>
+            <pc:docMk/>
+            <pc:sldMk cId="4286849859" sldId="282"/>
+            <ac:spMk id="2" creationId="{00000000-0000-0000-0000-000000000000}"/>
+          </ac:spMkLst>
+        </pc:spChg>
+      </pc:sldChg>
+      <pc:sldChg chg="modSp mod">
+        <pc:chgData name="Yoder, Jason" userId="28f4d4d8-da04-4f86-b14d-a21675737bc5" providerId="ADAL" clId="{9BC0A12B-A90F-4727-B654-2C4D393F4FC9}" dt="2023-11-02T12:50:53.130" v="10" actId="6549"/>
+        <pc:sldMkLst>
+          <pc:docMk/>
+          <pc:sldMk cId="2470978013" sldId="283"/>
+        </pc:sldMkLst>
+        <pc:spChg chg="mod">
+          <ac:chgData name="Yoder, Jason" userId="28f4d4d8-da04-4f86-b14d-a21675737bc5" providerId="ADAL" clId="{9BC0A12B-A90F-4727-B654-2C4D393F4FC9}" dt="2023-11-02T12:50:53.130" v="10" actId="6549"/>
+          <ac:spMkLst>
+            <pc:docMk/>
+            <pc:sldMk cId="2470978013" sldId="283"/>
+            <ac:spMk id="3" creationId="{00000000-0000-0000-0000-000000000000}"/>
+          </ac:spMkLst>
+        </pc:spChg>
+      </pc:sldChg>
+    </pc:docChg>
+  </pc:docChgLst>
+  <pc:docChgLst>
+    <pc:chgData name="Yoder, Jason" userId="28f4d4d8-da04-4f86-b14d-a21675737bc5" providerId="ADAL" clId="{8F13AEB9-B1A5-425E-9DE6-9834458F2551}"/>
+    <pc:docChg chg="modSld">
+      <pc:chgData name="Yoder, Jason" userId="28f4d4d8-da04-4f86-b14d-a21675737bc5" providerId="ADAL" clId="{8F13AEB9-B1A5-425E-9DE6-9834458F2551}" dt="2023-11-20T21:56:07.574" v="3" actId="6549"/>
+      <pc:docMkLst>
+        <pc:docMk/>
+      </pc:docMkLst>
+      <pc:sldChg chg="modNotesTx">
+        <pc:chgData name="Yoder, Jason" userId="28f4d4d8-da04-4f86-b14d-a21675737bc5" providerId="ADAL" clId="{8F13AEB9-B1A5-425E-9DE6-9834458F2551}" dt="2023-11-20T21:56:07.574" v="3" actId="6549"/>
+        <pc:sldMkLst>
+          <pc:docMk/>
+          <pc:sldMk cId="4286849859" sldId="282"/>
+        </pc:sldMkLst>
+      </pc:sldChg>
+    </pc:docChg>
+  </pc:docChgLst>
+</pc:chgInfo>
+</file>
+
 <file path=ppt/handoutMasters/handoutMaster1.xml><?xml version="1.0" encoding="utf-8"?>
 <p:handoutMaster xmlns:a="http://schemas.openxmlformats.org/drawingml/2006/main" xmlns:r="http://schemas.openxmlformats.org/officeDocument/2006/relationships" xmlns:p="http://schemas.openxmlformats.org/presentationml/2006/main">
   <p:cSld>
@@ -281,7 +341,7 @@
               <a:pPr>
                 <a:defRPr/>
               </a:pPr>
-              <a:t>11/22/2022</a:t>
+              <a:t>11/20/2023</a:t>
             </a:fld>
             <a:endParaRPr lang="en-US"/>
           </a:p>
@@ -516,7 +576,7 @@
               <a:pPr>
                 <a:defRPr/>
               </a:pPr>
-              <a:t>11/22/2022</a:t>
+              <a:t>11/20/2023</a:t>
             </a:fld>
             <a:endParaRPr lang="en-US"/>
           </a:p>
@@ -918,6 +978,25 @@
           <a:lstStyle/>
           <a:p>
             <a:r>
+              <a:rPr lang="en-US" b="1" dirty="0"/>
+              <a:t>Start </a:t>
+            </a:r>
+            <a:r>
+              <a:rPr lang="en-US" b="1"/>
+              <a:t>with 20 </a:t>
+            </a:r>
+            <a:r>
+              <a:rPr lang="en-US" b="1" dirty="0"/>
+              <a:t>minutes to spare in second hour – gives to run through exercises and code and maybe </a:t>
+            </a:r>
+            <a:r>
+              <a:rPr lang="en-US" b="1"/>
+              <a:t>some more fun</a:t>
+            </a:r>
+            <a:endParaRPr lang="en-US" b="1" dirty="0"/>
+          </a:p>
+          <a:p>
+            <a:r>
               <a:rPr lang="en-US" dirty="0"/>
               <a:t>Slides animated to do an activity</a:t>
             </a:r>
@@ -1693,7 +1772,7 @@
               <a:pPr>
                 <a:defRPr/>
               </a:pPr>
-              <a:t>Tuesday, November 22, 2022</a:t>
+              <a:t>Monday, November 20, 2023</a:t>
             </a:fld>
             <a:endParaRPr lang="en-US" dirty="0"/>
           </a:p>
@@ -1876,7 +1955,7 @@
               <a:pPr>
                 <a:defRPr/>
               </a:pPr>
-              <a:t>Tuesday, November 22, 2022</a:t>
+              <a:t>Monday, November 20, 2023</a:t>
             </a:fld>
             <a:endParaRPr lang="en-US" dirty="0"/>
           </a:p>
@@ -2069,7 +2148,7 @@
               <a:pPr>
                 <a:defRPr/>
               </a:pPr>
-              <a:t>Tuesday, November 22, 2022</a:t>
+              <a:t>Monday, November 20, 2023</a:t>
             </a:fld>
             <a:endParaRPr lang="en-US" dirty="0"/>
           </a:p>
@@ -2252,7 +2331,7 @@
               <a:pPr>
                 <a:defRPr/>
               </a:pPr>
-              <a:t>Tuesday, November 22, 2022</a:t>
+              <a:t>Monday, November 20, 2023</a:t>
             </a:fld>
             <a:endParaRPr lang="en-US" dirty="0"/>
           </a:p>
@@ -2512,7 +2591,7 @@
               <a:pPr>
                 <a:defRPr/>
               </a:pPr>
-              <a:t>Tuesday, November 22, 2022</a:t>
+              <a:t>Monday, November 20, 2023</a:t>
             </a:fld>
             <a:endParaRPr lang="en-US"/>
           </a:p>
@@ -2812,7 +2891,7 @@
               <a:pPr>
                 <a:defRPr/>
               </a:pPr>
-              <a:t>Tuesday, November 22, 2022</a:t>
+              <a:t>Monday, November 20, 2023</a:t>
             </a:fld>
             <a:endParaRPr lang="en-US"/>
           </a:p>
@@ -3246,7 +3325,7 @@
               <a:pPr>
                 <a:defRPr/>
               </a:pPr>
-              <a:t>Tuesday, November 22, 2022</a:t>
+              <a:t>Monday, November 20, 2023</a:t>
             </a:fld>
             <a:endParaRPr lang="en-US"/>
           </a:p>
@@ -3378,7 +3457,7 @@
               <a:pPr>
                 <a:defRPr/>
               </a:pPr>
-              <a:t>Tuesday, November 22, 2022</a:t>
+              <a:t>Monday, November 20, 2023</a:t>
             </a:fld>
             <a:endParaRPr lang="en-US"/>
           </a:p>
@@ -3488,7 +3567,7 @@
               <a:pPr>
                 <a:defRPr/>
               </a:pPr>
-              <a:t>Tuesday, November 22, 2022</a:t>
+              <a:t>Monday, November 20, 2023</a:t>
             </a:fld>
             <a:endParaRPr lang="en-US" dirty="0"/>
           </a:p>
@@ -3778,7 +3857,7 @@
               <a:pPr>
                 <a:defRPr/>
               </a:pPr>
-              <a:t>Tuesday, November 22, 2022</a:t>
+              <a:t>Monday, November 20, 2023</a:t>
             </a:fld>
             <a:endParaRPr lang="en-US"/>
           </a:p>
@@ -4045,7 +4124,7 @@
               <a:pPr>
                 <a:defRPr/>
               </a:pPr>
-              <a:t>Tuesday, November 22, 2022</a:t>
+              <a:t>Monday, November 20, 2023</a:t>
             </a:fld>
             <a:endParaRPr lang="en-US"/>
           </a:p>
@@ -4271,7 +4350,7 @@
               <a:pPr>
                 <a:defRPr/>
               </a:pPr>
-              <a:t>Tuesday, November 22, 2022</a:t>
+              <a:t>Monday, November 20, 2023</a:t>
             </a:fld>
             <a:endParaRPr lang="en-US" dirty="0"/>
           </a:p>
@@ -4705,7 +4784,7 @@
           <a:p>
             <a:r>
               <a:rPr lang="en-US" dirty="0"/>
-              <a:t>It was 63</a:t>
+              <a:t>It was 77</a:t>
             </a:r>
           </a:p>
           <a:p>
@@ -4717,7 +4796,7 @@
           <a:p>
             <a:r>
               <a:rPr lang="en-US" dirty="0"/>
-              <a:t>It was 864</a:t>
+              <a:t>It was 22</a:t>
             </a:r>
           </a:p>
           <a:p>
@@ -4729,7 +4808,7 @@
           <a:p>
             <a:r>
               <a:rPr lang="en-US" dirty="0"/>
-              <a:t>It was 265</a:t>
+              <a:t>It was 659</a:t>
             </a:r>
           </a:p>
           <a:p>

--- a/ClassMaterials/Sorting/Slides/Part3-BinarySearch.pptx
+++ b/ClassMaterials/Sorting/Slides/Part3-BinarySearch.pptx
@@ -5,18 +5,19 @@
     <p:sldMasterId id="2147484485" r:id="rId1"/>
   </p:sldMasterIdLst>
   <p:notesMasterIdLst>
-    <p:notesMasterId r:id="rId8"/>
+    <p:notesMasterId r:id="rId9"/>
   </p:notesMasterIdLst>
   <p:handoutMasterIdLst>
-    <p:handoutMasterId r:id="rId9"/>
+    <p:handoutMasterId r:id="rId10"/>
   </p:handoutMasterIdLst>
   <p:sldIdLst>
-    <p:sldId id="282" r:id="rId2"/>
-    <p:sldId id="283" r:id="rId3"/>
-    <p:sldId id="271" r:id="rId4"/>
-    <p:sldId id="272" r:id="rId5"/>
-    <p:sldId id="284" r:id="rId6"/>
-    <p:sldId id="273" r:id="rId7"/>
+    <p:sldId id="285" r:id="rId2"/>
+    <p:sldId id="282" r:id="rId3"/>
+    <p:sldId id="283" r:id="rId4"/>
+    <p:sldId id="271" r:id="rId5"/>
+    <p:sldId id="272" r:id="rId6"/>
+    <p:sldId id="284" r:id="rId7"/>
+    <p:sldId id="273" r:id="rId8"/>
   </p:sldIdLst>
   <p:sldSz cx="9144000" cy="6858000" type="screen4x3"/>
   <p:notesSz cx="7010400" cy="9296400"/>
@@ -167,6 +168,22 @@
 <file path=ppt/changesInfos/changesInfo1.xml><?xml version="1.0" encoding="utf-8"?>
 <pc:chgInfo xmlns:a="http://schemas.openxmlformats.org/drawingml/2006/main" xmlns:r="http://schemas.openxmlformats.org/officeDocument/2006/relationships" xmlns:ac="http://schemas.microsoft.com/office/drawing/2013/main/command" xmlns:pc="http://schemas.microsoft.com/office/powerpoint/2013/main/command">
   <pc:docChgLst>
+    <pc:chgData name="Yoder, Jason" userId="28f4d4d8-da04-4f86-b14d-a21675737bc5" providerId="ADAL" clId="{8F13AEB9-B1A5-425E-9DE6-9834458F2551}"/>
+    <pc:docChg chg="modSld">
+      <pc:chgData name="Yoder, Jason" userId="28f4d4d8-da04-4f86-b14d-a21675737bc5" providerId="ADAL" clId="{8F13AEB9-B1A5-425E-9DE6-9834458F2551}" dt="2023-11-20T21:56:07.574" v="3" actId="6549"/>
+      <pc:docMkLst>
+        <pc:docMk/>
+      </pc:docMkLst>
+      <pc:sldChg chg="modNotesTx">
+        <pc:chgData name="Yoder, Jason" userId="28f4d4d8-da04-4f86-b14d-a21675737bc5" providerId="ADAL" clId="{8F13AEB9-B1A5-425E-9DE6-9834458F2551}" dt="2023-11-20T21:56:07.574" v="3" actId="6549"/>
+        <pc:sldMkLst>
+          <pc:docMk/>
+          <pc:sldMk cId="4286849859" sldId="282"/>
+        </pc:sldMkLst>
+      </pc:sldChg>
+    </pc:docChg>
+  </pc:docChgLst>
+  <pc:docChgLst>
     <pc:chgData name="Yoder, Jason" userId="28f4d4d8-da04-4f86-b14d-a21675737bc5" providerId="ADAL" clId="{9BC0A12B-A90F-4727-B654-2C4D393F4FC9}"/>
     <pc:docChg chg="custSel modSld">
       <pc:chgData name="Yoder, Jason" userId="28f4d4d8-da04-4f86-b14d-a21675737bc5" providerId="ADAL" clId="{9BC0A12B-A90F-4727-B654-2C4D393F4FC9}" dt="2023-11-02T13:31:57.768" v="139" actId="20577"/>
@@ -205,22 +222,6 @@
       </pc:sldChg>
     </pc:docChg>
   </pc:docChgLst>
-  <pc:docChgLst>
-    <pc:chgData name="Yoder, Jason" userId="28f4d4d8-da04-4f86-b14d-a21675737bc5" providerId="ADAL" clId="{8F13AEB9-B1A5-425E-9DE6-9834458F2551}"/>
-    <pc:docChg chg="modSld">
-      <pc:chgData name="Yoder, Jason" userId="28f4d4d8-da04-4f86-b14d-a21675737bc5" providerId="ADAL" clId="{8F13AEB9-B1A5-425E-9DE6-9834458F2551}" dt="2023-11-20T21:56:07.574" v="3" actId="6549"/>
-      <pc:docMkLst>
-        <pc:docMk/>
-      </pc:docMkLst>
-      <pc:sldChg chg="modNotesTx">
-        <pc:chgData name="Yoder, Jason" userId="28f4d4d8-da04-4f86-b14d-a21675737bc5" providerId="ADAL" clId="{8F13AEB9-B1A5-425E-9DE6-9834458F2551}" dt="2023-11-20T21:56:07.574" v="3" actId="6549"/>
-        <pc:sldMkLst>
-          <pc:docMk/>
-          <pc:sldMk cId="4286849859" sldId="282"/>
-        </pc:sldMkLst>
-      </pc:sldChg>
-    </pc:docChg>
-  </pc:docChgLst>
 </pc:chgInfo>
 </file>
 
@@ -341,7 +342,7 @@
               <a:pPr>
                 <a:defRPr/>
               </a:pPr>
-              <a:t>11/20/2023</a:t>
+              <a:t>2/8/2024</a:t>
             </a:fld>
             <a:endParaRPr lang="en-US"/>
           </a:p>
@@ -576,7 +577,7 @@
               <a:pPr>
                 <a:defRPr/>
               </a:pPr>
-              <a:t>11/20/2023</a:t>
+              <a:t>2/8/2024</a:t>
             </a:fld>
             <a:endParaRPr lang="en-US"/>
           </a:p>
@@ -979,21 +980,8 @@
           <a:p>
             <a:r>
               <a:rPr lang="en-US" b="1" dirty="0"/>
-              <a:t>Start </a:t>
-            </a:r>
-            <a:r>
-              <a:rPr lang="en-US" b="1"/>
-              <a:t>with 20 </a:t>
-            </a:r>
-            <a:r>
-              <a:rPr lang="en-US" b="1" dirty="0"/>
-              <a:t>minutes to spare in second hour – gives to run through exercises and code and maybe </a:t>
-            </a:r>
-            <a:r>
-              <a:rPr lang="en-US" b="1"/>
-              <a:t>some more fun</a:t>
-            </a:r>
-            <a:endParaRPr lang="en-US" b="1" dirty="0"/>
+              <a:t>Start with 20 minutes to spare in second hour – gives to run through exercises and code and maybe some more fun</a:t>
+            </a:r>
           </a:p>
           <a:p>
             <a:r>
@@ -1059,7 +1047,7 @@
             <a:fld id="{1CAB54A6-6D8B-4F15-92AE-823480FEDC1E}" type="slidenum">
               <a:rPr lang="en-US" smtClean="0"/>
               <a:pPr/>
-              <a:t>1</a:t>
+              <a:t>2</a:t>
             </a:fld>
             <a:endParaRPr lang="en-US"/>
           </a:p>
@@ -1195,7 +1183,7 @@
               <a:pPr>
                 <a:defRPr/>
               </a:pPr>
-              <a:t>2</a:t>
+              <a:t>3</a:t>
             </a:fld>
             <a:endParaRPr lang="en-US"/>
           </a:p>
@@ -1362,7 +1350,7 @@
             <a:fld id="{1CAB54A6-6D8B-4F15-92AE-823480FEDC1E}" type="slidenum">
               <a:rPr lang="en-US" smtClean="0"/>
               <a:pPr/>
-              <a:t>3</a:t>
+              <a:t>4</a:t>
             </a:fld>
             <a:endParaRPr lang="en-US"/>
           </a:p>
@@ -1465,7 +1453,7 @@
             <a:fld id="{828D8EB1-E62A-4F41-8DB6-9A6ECA7F01BD}" type="slidenum">
               <a:rPr lang="en-US" smtClean="0"/>
               <a:pPr/>
-              <a:t>4</a:t>
+              <a:t>5</a:t>
             </a:fld>
             <a:endParaRPr lang="en-US"/>
           </a:p>
@@ -1568,7 +1556,7 @@
             <a:fld id="{ACC5BD96-9452-419E-B7A6-9575083A73C8}" type="slidenum">
               <a:rPr lang="en-US" smtClean="0"/>
               <a:pPr/>
-              <a:t>6</a:t>
+              <a:t>7</a:t>
             </a:fld>
             <a:endParaRPr lang="en-US"/>
           </a:p>
@@ -1772,7 +1760,7 @@
               <a:pPr>
                 <a:defRPr/>
               </a:pPr>
-              <a:t>Monday, November 20, 2023</a:t>
+              <a:t>Thursday, February 8, 2024</a:t>
             </a:fld>
             <a:endParaRPr lang="en-US" dirty="0"/>
           </a:p>
@@ -1955,7 +1943,7 @@
               <a:pPr>
                 <a:defRPr/>
               </a:pPr>
-              <a:t>Monday, November 20, 2023</a:t>
+              <a:t>Thursday, February 8, 2024</a:t>
             </a:fld>
             <a:endParaRPr lang="en-US" dirty="0"/>
           </a:p>
@@ -2148,7 +2136,7 @@
               <a:pPr>
                 <a:defRPr/>
               </a:pPr>
-              <a:t>Monday, November 20, 2023</a:t>
+              <a:t>Thursday, February 8, 2024</a:t>
             </a:fld>
             <a:endParaRPr lang="en-US" dirty="0"/>
           </a:p>
@@ -2331,7 +2319,7 @@
               <a:pPr>
                 <a:defRPr/>
               </a:pPr>
-              <a:t>Monday, November 20, 2023</a:t>
+              <a:t>Thursday, February 8, 2024</a:t>
             </a:fld>
             <a:endParaRPr lang="en-US" dirty="0"/>
           </a:p>
@@ -2591,7 +2579,7 @@
               <a:pPr>
                 <a:defRPr/>
               </a:pPr>
-              <a:t>Monday, November 20, 2023</a:t>
+              <a:t>Thursday, February 8, 2024</a:t>
             </a:fld>
             <a:endParaRPr lang="en-US"/>
           </a:p>
@@ -2891,7 +2879,7 @@
               <a:pPr>
                 <a:defRPr/>
               </a:pPr>
-              <a:t>Monday, November 20, 2023</a:t>
+              <a:t>Thursday, February 8, 2024</a:t>
             </a:fld>
             <a:endParaRPr lang="en-US"/>
           </a:p>
@@ -3325,7 +3313,7 @@
               <a:pPr>
                 <a:defRPr/>
               </a:pPr>
-              <a:t>Monday, November 20, 2023</a:t>
+              <a:t>Thursday, February 8, 2024</a:t>
             </a:fld>
             <a:endParaRPr lang="en-US"/>
           </a:p>
@@ -3457,7 +3445,7 @@
               <a:pPr>
                 <a:defRPr/>
               </a:pPr>
-              <a:t>Monday, November 20, 2023</a:t>
+              <a:t>Thursday, February 8, 2024</a:t>
             </a:fld>
             <a:endParaRPr lang="en-US"/>
           </a:p>
@@ -3567,7 +3555,7 @@
               <a:pPr>
                 <a:defRPr/>
               </a:pPr>
-              <a:t>Monday, November 20, 2023</a:t>
+              <a:t>Thursday, February 8, 2024</a:t>
             </a:fld>
             <a:endParaRPr lang="en-US" dirty="0"/>
           </a:p>
@@ -3857,7 +3845,7 @@
               <a:pPr>
                 <a:defRPr/>
               </a:pPr>
-              <a:t>Monday, November 20, 2023</a:t>
+              <a:t>Thursday, February 8, 2024</a:t>
             </a:fld>
             <a:endParaRPr lang="en-US"/>
           </a:p>
@@ -4124,7 +4112,7 @@
               <a:pPr>
                 <a:defRPr/>
               </a:pPr>
-              <a:t>Monday, November 20, 2023</a:t>
+              <a:t>Thursday, February 8, 2024</a:t>
             </a:fld>
             <a:endParaRPr lang="en-US"/>
           </a:p>
@@ -4350,7 +4338,7 @@
               <a:pPr>
                 <a:defRPr/>
               </a:pPr>
-              <a:t>Monday, November 20, 2023</a:t>
+              <a:t>Thursday, February 8, 2024</a:t>
             </a:fld>
             <a:endParaRPr lang="en-US" dirty="0"/>
           </a:p>
@@ -4736,6 +4724,94 @@
       </p:grpSpPr>
       <p:sp>
         <p:nvSpPr>
+          <p:cNvPr id="4" name="Title 2">
+            <a:extLst>
+              <a:ext uri="{FF2B5EF4-FFF2-40B4-BE49-F238E27FC236}">
+                <a16:creationId xmlns:a16="http://schemas.microsoft.com/office/drawing/2014/main" id="{AC5A4C29-FCAF-CE1E-1B89-34D121ECBC30}"/>
+              </a:ext>
+            </a:extLst>
+          </p:cNvPr>
+          <p:cNvSpPr txBox="1">
+            <a:spLocks/>
+          </p:cNvSpPr>
+          <p:nvPr/>
+        </p:nvSpPr>
+        <p:spPr>
+          <a:xfrm>
+            <a:off x="457200" y="274638"/>
+            <a:ext cx="8229600" cy="1143000"/>
+          </a:xfrm>
+          <a:prstGeom prst="rect">
+            <a:avLst/>
+          </a:prstGeom>
+        </p:spPr>
+        <p:txBody>
+          <a:bodyPr vert="horz" lIns="91440" tIns="45720" rIns="91440" bIns="45720" rtlCol="0" anchor="ctr">
+            <a:normAutofit/>
+          </a:bodyPr>
+          <a:lstStyle>
+            <a:lvl1pPr algn="ctr" defTabSz="914400" rtl="0" eaLnBrk="1" latinLnBrk="0" hangingPunct="1">
+              <a:spcBef>
+                <a:spcPct val="0"/>
+              </a:spcBef>
+              <a:buNone/>
+              <a:defRPr sz="4400" kern="1200">
+                <a:solidFill>
+                  <a:schemeClr val="tx1"/>
+                </a:solidFill>
+                <a:latin typeface="+mj-lt"/>
+                <a:ea typeface="+mj-ea"/>
+                <a:cs typeface="+mj-cs"/>
+              </a:defRPr>
+            </a:lvl1pPr>
+          </a:lstStyle>
+          <a:p>
+            <a:pPr fontAlgn="auto">
+              <a:spcAft>
+                <a:spcPts val="0"/>
+              </a:spcAft>
+              <a:defRPr/>
+            </a:pPr>
+            <a:r>
+              <a:rPr lang="en-US"/>
+              <a:t>Searching</a:t>
+            </a:r>
+            <a:endParaRPr lang="en-US" dirty="0"/>
+          </a:p>
+        </p:txBody>
+      </p:sp>
+    </p:spTree>
+    <p:extLst>
+      <p:ext uri="{BB962C8B-B14F-4D97-AF65-F5344CB8AC3E}">
+        <p14:creationId xmlns:p14="http://schemas.microsoft.com/office/powerpoint/2010/main" val="909371918"/>
+      </p:ext>
+    </p:extLst>
+  </p:cSld>
+  <p:clrMapOvr>
+    <a:masterClrMapping/>
+  </p:clrMapOvr>
+</p:sld>
+</file>
+
+<file path=ppt/slides/slide2.xml><?xml version="1.0" encoding="utf-8"?>
+<p:sld xmlns:a="http://schemas.openxmlformats.org/drawingml/2006/main" xmlns:r="http://schemas.openxmlformats.org/officeDocument/2006/relationships" xmlns:p="http://schemas.openxmlformats.org/presentationml/2006/main">
+  <p:cSld>
+    <p:spTree>
+      <p:nvGrpSpPr>
+        <p:cNvPr id="1" name=""/>
+        <p:cNvGrpSpPr/>
+        <p:nvPr/>
+      </p:nvGrpSpPr>
+      <p:grpSpPr>
+        <a:xfrm>
+          <a:off x="0" y="0"/>
+          <a:ext cx="0" cy="0"/>
+          <a:chOff x="0" y="0"/>
+          <a:chExt cx="0" cy="0"/>
+        </a:xfrm>
+      </p:grpSpPr>
+      <p:sp>
+        <p:nvSpPr>
           <p:cNvPr id="3" name="Title 2"/>
           <p:cNvSpPr>
             <a:spLocks noGrp="1"/>
@@ -4784,7 +4860,7 @@
           <a:p>
             <a:r>
               <a:rPr lang="en-US" dirty="0"/>
-              <a:t>It was 77</a:t>
+              <a:t>It was 54</a:t>
             </a:r>
           </a:p>
           <a:p>
@@ -4796,7 +4872,7 @@
           <a:p>
             <a:r>
               <a:rPr lang="en-US" dirty="0"/>
-              <a:t>It was 22</a:t>
+              <a:t>It was 186</a:t>
             </a:r>
           </a:p>
           <a:p>
@@ -4808,7 +4884,7 @@
           <a:p>
             <a:r>
               <a:rPr lang="en-US" dirty="0"/>
-              <a:t>It was 659</a:t>
+              <a:t>It was 684</a:t>
             </a:r>
           </a:p>
           <a:p>
@@ -5228,7 +5304,7 @@
 </p:sld>
 </file>
 
-<file path=ppt/slides/slide2.xml><?xml version="1.0" encoding="utf-8"?>
+<file path=ppt/slides/slide3.xml><?xml version="1.0" encoding="utf-8"?>
 <p:sld xmlns:a="http://schemas.openxmlformats.org/drawingml/2006/main" xmlns:r="http://schemas.openxmlformats.org/officeDocument/2006/relationships" xmlns:p="http://schemas.openxmlformats.org/presentationml/2006/main">
   <p:cSld>
     <p:spTree>
@@ -5302,7 +5378,7 @@
 </p:sld>
 </file>
 
-<file path=ppt/slides/slide3.xml><?xml version="1.0" encoding="utf-8"?>
+<file path=ppt/slides/slide4.xml><?xml version="1.0" encoding="utf-8"?>
 <p:sld xmlns:a="http://schemas.openxmlformats.org/drawingml/2006/main" xmlns:r="http://schemas.openxmlformats.org/officeDocument/2006/relationships" xmlns:p="http://schemas.openxmlformats.org/presentationml/2006/main" show="0">
   <p:cSld>
     <p:spTree>
@@ -5757,143 +5833,6 @@
 </p:sld>
 </file>
 
-<file path=ppt/slides/slide4.xml><?xml version="1.0" encoding="utf-8"?>
-<p:sld xmlns:a="http://schemas.openxmlformats.org/drawingml/2006/main" xmlns:r="http://schemas.openxmlformats.org/officeDocument/2006/relationships" xmlns:p="http://schemas.openxmlformats.org/presentationml/2006/main">
-  <p:cSld>
-    <p:spTree>
-      <p:nvGrpSpPr>
-        <p:cNvPr id="1" name=""/>
-        <p:cNvGrpSpPr/>
-        <p:nvPr/>
-      </p:nvGrpSpPr>
-      <p:grpSpPr>
-        <a:xfrm>
-          <a:off x="0" y="0"/>
-          <a:ext cx="0" cy="0"/>
-          <a:chOff x="0" y="0"/>
-          <a:chExt cx="0" cy="0"/>
-        </a:xfrm>
-      </p:grpSpPr>
-      <p:sp>
-        <p:nvSpPr>
-          <p:cNvPr id="3" name="Title 2"/>
-          <p:cNvSpPr>
-            <a:spLocks noGrp="1"/>
-          </p:cNvSpPr>
-          <p:nvPr>
-            <p:ph type="title"/>
-          </p:nvPr>
-        </p:nvSpPr>
-        <p:spPr/>
-        <p:txBody>
-          <a:bodyPr/>
-          <a:lstStyle/>
-          <a:p>
-            <a:pPr>
-              <a:defRPr/>
-            </a:pPr>
-            <a:r>
-              <a:rPr lang="en-US" dirty="0"/>
-              <a:t>Binary Search of Sorted Data</a:t>
-            </a:r>
-          </a:p>
-        </p:txBody>
-      </p:sp>
-      <p:sp>
-        <p:nvSpPr>
-          <p:cNvPr id="2" name="Content Placeholder 1"/>
-          <p:cNvSpPr>
-            <a:spLocks noGrp="1"/>
-          </p:cNvSpPr>
-          <p:nvPr>
-            <p:ph idx="1"/>
-          </p:nvPr>
-        </p:nvSpPr>
-        <p:spPr/>
-        <p:txBody>
-          <a:bodyPr/>
-          <a:lstStyle/>
-          <a:p>
-            <a:pPr>
-              <a:defRPr/>
-            </a:pPr>
-            <a:r>
-              <a:rPr lang="en-US" dirty="0"/>
-              <a:t>A </a:t>
-            </a:r>
-            <a:r>
-              <a:rPr lang="en-US" dirty="0">
-                <a:solidFill>
-                  <a:schemeClr val="accent3"/>
-                </a:solidFill>
-              </a:rPr>
-              <a:t>divide and conquer </a:t>
-            </a:r>
-            <a:r>
-              <a:rPr lang="en-US" dirty="0"/>
-              <a:t>strategy</a:t>
-            </a:r>
-          </a:p>
-          <a:p>
-            <a:pPr>
-              <a:defRPr/>
-            </a:pPr>
-            <a:endParaRPr lang="en-US" dirty="0"/>
-          </a:p>
-          <a:p>
-            <a:pPr>
-              <a:defRPr/>
-            </a:pPr>
-            <a:r>
-              <a:rPr lang="en-US" dirty="0"/>
-              <a:t>Basic idea:</a:t>
-            </a:r>
-          </a:p>
-          <a:p>
-            <a:pPr lvl="1">
-              <a:defRPr/>
-            </a:pPr>
-            <a:r>
-              <a:rPr lang="en-US" dirty="0"/>
-              <a:t>Divide the </a:t>
-            </a:r>
-            <a:r>
-              <a:rPr lang="en-US" strike="dblStrike" dirty="0"/>
-              <a:t>list</a:t>
-            </a:r>
-            <a:r>
-              <a:rPr lang="en-US" dirty="0"/>
-              <a:t> array in half</a:t>
-            </a:r>
-          </a:p>
-          <a:p>
-            <a:pPr lvl="1">
-              <a:defRPr/>
-            </a:pPr>
-            <a:r>
-              <a:rPr lang="en-US" dirty="0"/>
-              <a:t>Decide whether result should be in upper or lower half</a:t>
-            </a:r>
-          </a:p>
-          <a:p>
-            <a:pPr lvl="1">
-              <a:defRPr/>
-            </a:pPr>
-            <a:r>
-              <a:rPr lang="en-US" dirty="0"/>
-              <a:t>Recursively search that half</a:t>
-            </a:r>
-          </a:p>
-        </p:txBody>
-      </p:sp>
-    </p:spTree>
-  </p:cSld>
-  <p:clrMapOvr>
-    <a:masterClrMapping/>
-  </p:clrMapOvr>
-</p:sld>
-</file>
-
 <file path=ppt/slides/slide5.xml><?xml version="1.0" encoding="utf-8"?>
 <p:sld xmlns:a="http://schemas.openxmlformats.org/drawingml/2006/main" xmlns:r="http://schemas.openxmlformats.org/officeDocument/2006/relationships" xmlns:p="http://schemas.openxmlformats.org/presentationml/2006/main">
   <p:cSld>
@@ -5913,13 +5852,7 @@
       </p:grpSpPr>
       <p:sp>
         <p:nvSpPr>
-          <p:cNvPr id="2" name="Title 1">
-            <a:extLst>
-              <a:ext uri="{FF2B5EF4-FFF2-40B4-BE49-F238E27FC236}">
-                <a16:creationId xmlns:a16="http://schemas.microsoft.com/office/drawing/2014/main" id="{19CCE993-3524-A36B-8E09-5058908E8BEF}"/>
-              </a:ext>
-            </a:extLst>
-          </p:cNvPr>
+          <p:cNvPr id="3" name="Title 2"/>
           <p:cNvSpPr>
             <a:spLocks noGrp="1"/>
           </p:cNvSpPr>
@@ -5932,22 +5865,19 @@
           <a:bodyPr/>
           <a:lstStyle/>
           <a:p>
+            <a:pPr>
+              <a:defRPr/>
+            </a:pPr>
             <a:r>
               <a:rPr lang="en-US" dirty="0"/>
-              <a:t>Live Demo</a:t>
-            </a:r>
-          </a:p>
-        </p:txBody>
-      </p:sp>
-      <p:sp>
-        <p:nvSpPr>
-          <p:cNvPr id="3" name="Content Placeholder 2">
-            <a:extLst>
-              <a:ext uri="{FF2B5EF4-FFF2-40B4-BE49-F238E27FC236}">
-                <a16:creationId xmlns:a16="http://schemas.microsoft.com/office/drawing/2014/main" id="{ACEF1EE1-C947-EA51-D35D-CECC0D3884FA}"/>
-              </a:ext>
-            </a:extLst>
-          </p:cNvPr>
+              <a:t>Binary Search of Sorted Data</a:t>
+            </a:r>
+          </a:p>
+        </p:txBody>
+      </p:sp>
+      <p:sp>
+        <p:nvSpPr>
+          <p:cNvPr id="2" name="Content Placeholder 1"/>
           <p:cNvSpPr>
             <a:spLocks noGrp="1"/>
           </p:cNvSpPr>
@@ -5960,16 +5890,79 @@
           <a:bodyPr/>
           <a:lstStyle/>
           <a:p>
-            <a:endParaRPr lang="en-US"/>
+            <a:pPr>
+              <a:defRPr/>
+            </a:pPr>
+            <a:r>
+              <a:rPr lang="en-US" dirty="0"/>
+              <a:t>A </a:t>
+            </a:r>
+            <a:r>
+              <a:rPr lang="en-US" dirty="0">
+                <a:solidFill>
+                  <a:schemeClr val="accent3"/>
+                </a:solidFill>
+              </a:rPr>
+              <a:t>divide and conquer </a:t>
+            </a:r>
+            <a:r>
+              <a:rPr lang="en-US" dirty="0"/>
+              <a:t>strategy</a:t>
+            </a:r>
+          </a:p>
+          <a:p>
+            <a:pPr>
+              <a:defRPr/>
+            </a:pPr>
+            <a:endParaRPr lang="en-US" dirty="0"/>
+          </a:p>
+          <a:p>
+            <a:pPr>
+              <a:defRPr/>
+            </a:pPr>
+            <a:r>
+              <a:rPr lang="en-US" dirty="0"/>
+              <a:t>Basic idea:</a:t>
+            </a:r>
+          </a:p>
+          <a:p>
+            <a:pPr lvl="1">
+              <a:defRPr/>
+            </a:pPr>
+            <a:r>
+              <a:rPr lang="en-US" dirty="0"/>
+              <a:t>Divide the </a:t>
+            </a:r>
+            <a:r>
+              <a:rPr lang="en-US" strike="dblStrike" dirty="0"/>
+              <a:t>list</a:t>
+            </a:r>
+            <a:r>
+              <a:rPr lang="en-US" dirty="0"/>
+              <a:t> array in half</a:t>
+            </a:r>
+          </a:p>
+          <a:p>
+            <a:pPr lvl="1">
+              <a:defRPr/>
+            </a:pPr>
+            <a:r>
+              <a:rPr lang="en-US" dirty="0"/>
+              <a:t>Decide whether result should be in upper or lower half</a:t>
+            </a:r>
+          </a:p>
+          <a:p>
+            <a:pPr lvl="1">
+              <a:defRPr/>
+            </a:pPr>
+            <a:r>
+              <a:rPr lang="en-US" dirty="0"/>
+              <a:t>Recursively search that half</a:t>
+            </a:r>
           </a:p>
         </p:txBody>
       </p:sp>
     </p:spTree>
-    <p:extLst>
-      <p:ext uri="{BB962C8B-B14F-4D97-AF65-F5344CB8AC3E}">
-        <p14:creationId xmlns:p14="http://schemas.microsoft.com/office/powerpoint/2010/main" val="2953905663"/>
-      </p:ext>
-    </p:extLst>
   </p:cSld>
   <p:clrMapOvr>
     <a:masterClrMapping/>
@@ -5996,6 +5989,89 @@
       </p:grpSpPr>
       <p:sp>
         <p:nvSpPr>
+          <p:cNvPr id="2" name="Title 1">
+            <a:extLst>
+              <a:ext uri="{FF2B5EF4-FFF2-40B4-BE49-F238E27FC236}">
+                <a16:creationId xmlns:a16="http://schemas.microsoft.com/office/drawing/2014/main" id="{19CCE993-3524-A36B-8E09-5058908E8BEF}"/>
+              </a:ext>
+            </a:extLst>
+          </p:cNvPr>
+          <p:cNvSpPr>
+            <a:spLocks noGrp="1"/>
+          </p:cNvSpPr>
+          <p:nvPr>
+            <p:ph type="title"/>
+          </p:nvPr>
+        </p:nvSpPr>
+        <p:spPr/>
+        <p:txBody>
+          <a:bodyPr/>
+          <a:lstStyle/>
+          <a:p>
+            <a:r>
+              <a:rPr lang="en-US" dirty="0"/>
+              <a:t>Live Demo</a:t>
+            </a:r>
+          </a:p>
+        </p:txBody>
+      </p:sp>
+      <p:sp>
+        <p:nvSpPr>
+          <p:cNvPr id="3" name="Content Placeholder 2">
+            <a:extLst>
+              <a:ext uri="{FF2B5EF4-FFF2-40B4-BE49-F238E27FC236}">
+                <a16:creationId xmlns:a16="http://schemas.microsoft.com/office/drawing/2014/main" id="{ACEF1EE1-C947-EA51-D35D-CECC0D3884FA}"/>
+              </a:ext>
+            </a:extLst>
+          </p:cNvPr>
+          <p:cNvSpPr>
+            <a:spLocks noGrp="1"/>
+          </p:cNvSpPr>
+          <p:nvPr>
+            <p:ph idx="1"/>
+          </p:nvPr>
+        </p:nvSpPr>
+        <p:spPr/>
+        <p:txBody>
+          <a:bodyPr/>
+          <a:lstStyle/>
+          <a:p>
+            <a:endParaRPr lang="en-US"/>
+          </a:p>
+        </p:txBody>
+      </p:sp>
+    </p:spTree>
+    <p:extLst>
+      <p:ext uri="{BB962C8B-B14F-4D97-AF65-F5344CB8AC3E}">
+        <p14:creationId xmlns:p14="http://schemas.microsoft.com/office/powerpoint/2010/main" val="2953905663"/>
+      </p:ext>
+    </p:extLst>
+  </p:cSld>
+  <p:clrMapOvr>
+    <a:masterClrMapping/>
+  </p:clrMapOvr>
+</p:sld>
+</file>
+
+<file path=ppt/slides/slide7.xml><?xml version="1.0" encoding="utf-8"?>
+<p:sld xmlns:a="http://schemas.openxmlformats.org/drawingml/2006/main" xmlns:r="http://schemas.openxmlformats.org/officeDocument/2006/relationships" xmlns:p="http://schemas.openxmlformats.org/presentationml/2006/main">
+  <p:cSld>
+    <p:spTree>
+      <p:nvGrpSpPr>
+        <p:cNvPr id="1" name=""/>
+        <p:cNvGrpSpPr/>
+        <p:nvPr/>
+      </p:nvGrpSpPr>
+      <p:grpSpPr>
+        <a:xfrm>
+          <a:off x="0" y="0"/>
+          <a:ext cx="0" cy="0"/>
+          <a:chOff x="0" y="0"/>
+          <a:chExt cx="0" cy="0"/>
+        </a:xfrm>
+      </p:grpSpPr>
+      <p:sp>
+        <p:nvSpPr>
           <p:cNvPr id="3" name="Title 2"/>
           <p:cNvSpPr>
             <a:spLocks noGrp="1"/>
@@ -6096,13 +6172,8 @@
             </a:pPr>
             <a:r>
               <a:rPr lang="en-US" dirty="0"/>
-              <a:t>What’s the worst case Binary </a:t>
-            </a:r>
-            <a:r>
-              <a:rPr lang="en-US"/>
-              <a:t>Search?</a:t>
-            </a:r>
-            <a:endParaRPr lang="en-US" dirty="0"/>
+              <a:t>What’s the worst case Binary Search?</a:t>
+            </a:r>
           </a:p>
         </p:txBody>
       </p:sp>

--- a/ClassMaterials/Sorting/Slides/Part3-BinarySearch.pptx
+++ b/ClassMaterials/Sorting/Slides/Part3-BinarySearch.pptx
@@ -342,7 +342,7 @@
               <a:pPr>
                 <a:defRPr/>
               </a:pPr>
-              <a:t>2/8/2024</a:t>
+              <a:t>5/15/2025</a:t>
             </a:fld>
             <a:endParaRPr lang="en-US"/>
           </a:p>
@@ -577,7 +577,7 @@
               <a:pPr>
                 <a:defRPr/>
               </a:pPr>
-              <a:t>2/8/2024</a:t>
+              <a:t>5/15/2025</a:t>
             </a:fld>
             <a:endParaRPr lang="en-US"/>
           </a:p>
@@ -1760,7 +1760,7 @@
               <a:pPr>
                 <a:defRPr/>
               </a:pPr>
-              <a:t>Thursday, February 8, 2024</a:t>
+              <a:t>Thursday, May 15, 2025</a:t>
             </a:fld>
             <a:endParaRPr lang="en-US" dirty="0"/>
           </a:p>
@@ -1943,7 +1943,7 @@
               <a:pPr>
                 <a:defRPr/>
               </a:pPr>
-              <a:t>Thursday, February 8, 2024</a:t>
+              <a:t>Thursday, May 15, 2025</a:t>
             </a:fld>
             <a:endParaRPr lang="en-US" dirty="0"/>
           </a:p>
@@ -2136,7 +2136,7 @@
               <a:pPr>
                 <a:defRPr/>
               </a:pPr>
-              <a:t>Thursday, February 8, 2024</a:t>
+              <a:t>Thursday, May 15, 2025</a:t>
             </a:fld>
             <a:endParaRPr lang="en-US" dirty="0"/>
           </a:p>
@@ -2319,7 +2319,7 @@
               <a:pPr>
                 <a:defRPr/>
               </a:pPr>
-              <a:t>Thursday, February 8, 2024</a:t>
+              <a:t>Thursday, May 15, 2025</a:t>
             </a:fld>
             <a:endParaRPr lang="en-US" dirty="0"/>
           </a:p>
@@ -2579,7 +2579,7 @@
               <a:pPr>
                 <a:defRPr/>
               </a:pPr>
-              <a:t>Thursday, February 8, 2024</a:t>
+              <a:t>Thursday, May 15, 2025</a:t>
             </a:fld>
             <a:endParaRPr lang="en-US"/>
           </a:p>
@@ -2879,7 +2879,7 @@
               <a:pPr>
                 <a:defRPr/>
               </a:pPr>
-              <a:t>Thursday, February 8, 2024</a:t>
+              <a:t>Thursday, May 15, 2025</a:t>
             </a:fld>
             <a:endParaRPr lang="en-US"/>
           </a:p>
@@ -3313,7 +3313,7 @@
               <a:pPr>
                 <a:defRPr/>
               </a:pPr>
-              <a:t>Thursday, February 8, 2024</a:t>
+              <a:t>Thursday, May 15, 2025</a:t>
             </a:fld>
             <a:endParaRPr lang="en-US"/>
           </a:p>
@@ -3445,7 +3445,7 @@
               <a:pPr>
                 <a:defRPr/>
               </a:pPr>
-              <a:t>Thursday, February 8, 2024</a:t>
+              <a:t>Thursday, May 15, 2025</a:t>
             </a:fld>
             <a:endParaRPr lang="en-US"/>
           </a:p>
@@ -3555,7 +3555,7 @@
               <a:pPr>
                 <a:defRPr/>
               </a:pPr>
-              <a:t>Thursday, February 8, 2024</a:t>
+              <a:t>Thursday, May 15, 2025</a:t>
             </a:fld>
             <a:endParaRPr lang="en-US" dirty="0"/>
           </a:p>
@@ -3845,7 +3845,7 @@
               <a:pPr>
                 <a:defRPr/>
               </a:pPr>
-              <a:t>Thursday, February 8, 2024</a:t>
+              <a:t>Thursday, May 15, 2025</a:t>
             </a:fld>
             <a:endParaRPr lang="en-US"/>
           </a:p>
@@ -4112,7 +4112,7 @@
               <a:pPr>
                 <a:defRPr/>
               </a:pPr>
-              <a:t>Thursday, February 8, 2024</a:t>
+              <a:t>Thursday, May 15, 2025</a:t>
             </a:fld>
             <a:endParaRPr lang="en-US"/>
           </a:p>
@@ -4338,7 +4338,7 @@
               <a:pPr>
                 <a:defRPr/>
               </a:pPr>
-              <a:t>Thursday, February 8, 2024</a:t>
+              <a:t>Thursday, May 15, 2025</a:t>
             </a:fld>
             <a:endParaRPr lang="en-US" dirty="0"/>
           </a:p>
@@ -4860,7 +4860,7 @@
           <a:p>
             <a:r>
               <a:rPr lang="en-US" dirty="0"/>
-              <a:t>It was 54</a:t>
+              <a:t>It was 22</a:t>
             </a:r>
           </a:p>
           <a:p>
@@ -4872,7 +4872,7 @@
           <a:p>
             <a:r>
               <a:rPr lang="en-US" dirty="0"/>
-              <a:t>It was 186</a:t>
+              <a:t>It was 895</a:t>
             </a:r>
           </a:p>
           <a:p>
@@ -4884,8 +4884,13 @@
           <a:p>
             <a:r>
               <a:rPr lang="en-US" dirty="0"/>
-              <a:t>It was 684</a:t>
-            </a:r>
+              <a:t>It </a:t>
+            </a:r>
+            <a:r>
+              <a:rPr lang="en-US"/>
+              <a:t>was 105</a:t>
+            </a:r>
+            <a:endParaRPr lang="en-US" dirty="0"/>
           </a:p>
           <a:p>
             <a:endParaRPr lang="en-US" dirty="0"/>
